--- a/CalendarioAgo25/presentaciones/14_POO_Actividad.pptx
+++ b/CalendarioAgo25/presentaciones/14_POO_Actividad.pptx
@@ -5,7 +5,7 @@
     <p:sldMasterId id="2147483648" r:id="rId1"/>
   </p:sldMasterIdLst>
   <p:notesMasterIdLst>
-    <p:notesMasterId r:id="rId16"/>
+    <p:notesMasterId r:id="rId17"/>
   </p:notesMasterIdLst>
   <p:sldIdLst>
     <p:sldId id="668" r:id="rId2"/>
@@ -21,7 +21,8 @@
     <p:sldId id="682" r:id="rId12"/>
     <p:sldId id="683" r:id="rId13"/>
     <p:sldId id="684" r:id="rId14"/>
-    <p:sldId id="685" r:id="rId15"/>
+    <p:sldId id="686" r:id="rId15"/>
+    <p:sldId id="685" r:id="rId16"/>
   </p:sldIdLst>
   <p:sldSz cx="9144000" cy="6858000" type="screen4x3"/>
   <p:notesSz cx="6858000" cy="9144000"/>
@@ -139,6 +140,90 @@
 </p:presentation>
 </file>
 
+<file path=ppt/changesInfos/changesInfo1.xml><?xml version="1.0" encoding="utf-8"?>
+<pc:chgInfo xmlns:a="http://schemas.openxmlformats.org/drawingml/2006/main" xmlns:r="http://schemas.openxmlformats.org/officeDocument/2006/relationships" xmlns:ac="http://schemas.microsoft.com/office/drawing/2013/main/command" xmlns:pc="http://schemas.microsoft.com/office/powerpoint/2013/main/command">
+  <pc:docChgLst>
+    <pc:chgData name="Lizethe Pérez Fuertes" userId="4ae9ef87-2a7d-42f8-8dfa-0a501a9e2ff4" providerId="ADAL" clId="{FDDD45CB-1330-4033-A842-3D2746AFF7C7}"/>
+    <pc:docChg chg="custSel modSld">
+      <pc:chgData name="Lizethe Pérez Fuertes" userId="4ae9ef87-2a7d-42f8-8dfa-0a501a9e2ff4" providerId="ADAL" clId="{FDDD45CB-1330-4033-A842-3D2746AFF7C7}" dt="2025-08-29T16:29:49.607" v="23" actId="1035"/>
+      <pc:docMkLst>
+        <pc:docMk/>
+      </pc:docMkLst>
+      <pc:sldChg chg="addSp delSp modSp mod">
+        <pc:chgData name="Lizethe Pérez Fuertes" userId="4ae9ef87-2a7d-42f8-8dfa-0a501a9e2ff4" providerId="ADAL" clId="{FDDD45CB-1330-4033-A842-3D2746AFF7C7}" dt="2025-08-29T16:29:49.607" v="23" actId="1035"/>
+        <pc:sldMkLst>
+          <pc:docMk/>
+          <pc:sldMk cId="77490221" sldId="683"/>
+        </pc:sldMkLst>
+        <pc:spChg chg="mod">
+          <ac:chgData name="Lizethe Pérez Fuertes" userId="4ae9ef87-2a7d-42f8-8dfa-0a501a9e2ff4" providerId="ADAL" clId="{FDDD45CB-1330-4033-A842-3D2746AFF7C7}" dt="2025-08-29T16:29:42.166" v="21" actId="14100"/>
+          <ac:spMkLst>
+            <pc:docMk/>
+            <pc:sldMk cId="77490221" sldId="683"/>
+            <ac:spMk id="11" creationId="{B04AAE10-0D35-5E1D-8B36-EDE42CE0DD51}"/>
+          </ac:spMkLst>
+        </pc:spChg>
+        <pc:picChg chg="del">
+          <ac:chgData name="Lizethe Pérez Fuertes" userId="4ae9ef87-2a7d-42f8-8dfa-0a501a9e2ff4" providerId="ADAL" clId="{FDDD45CB-1330-4033-A842-3D2746AFF7C7}" dt="2025-08-29T16:29:04.697" v="9" actId="478"/>
+          <ac:picMkLst>
+            <pc:docMk/>
+            <pc:sldMk cId="77490221" sldId="683"/>
+            <ac:picMk id="10" creationId="{C7717585-F120-F21C-D1D0-B29D218AECC3}"/>
+          </ac:picMkLst>
+        </pc:picChg>
+        <pc:picChg chg="add mod">
+          <ac:chgData name="Lizethe Pérez Fuertes" userId="4ae9ef87-2a7d-42f8-8dfa-0a501a9e2ff4" providerId="ADAL" clId="{FDDD45CB-1330-4033-A842-3D2746AFF7C7}" dt="2025-08-29T16:29:49.607" v="23" actId="1035"/>
+          <ac:picMkLst>
+            <pc:docMk/>
+            <pc:sldMk cId="77490221" sldId="683"/>
+            <ac:picMk id="12" creationId="{66FFBBFA-284E-0081-C8F3-5FB101D2885D}"/>
+          </ac:picMkLst>
+        </pc:picChg>
+        <pc:picChg chg="mod">
+          <ac:chgData name="Lizethe Pérez Fuertes" userId="4ae9ef87-2a7d-42f8-8dfa-0a501a9e2ff4" providerId="ADAL" clId="{FDDD45CB-1330-4033-A842-3D2746AFF7C7}" dt="2025-08-29T16:29:34.536" v="19" actId="1076"/>
+          <ac:picMkLst>
+            <pc:docMk/>
+            <pc:sldMk cId="77490221" sldId="683"/>
+            <ac:picMk id="13" creationId="{2BCF0793-73FB-06CA-2461-E607EB397BD1}"/>
+          </ac:picMkLst>
+        </pc:picChg>
+      </pc:sldChg>
+      <pc:sldChg chg="addSp delSp modSp mod">
+        <pc:chgData name="Lizethe Pérez Fuertes" userId="4ae9ef87-2a7d-42f8-8dfa-0a501a9e2ff4" providerId="ADAL" clId="{FDDD45CB-1330-4033-A842-3D2746AFF7C7}" dt="2025-08-29T16:27:44.390" v="8" actId="1076"/>
+        <pc:sldMkLst>
+          <pc:docMk/>
+          <pc:sldMk cId="1529927900" sldId="686"/>
+        </pc:sldMkLst>
+        <pc:spChg chg="mod">
+          <ac:chgData name="Lizethe Pérez Fuertes" userId="4ae9ef87-2a7d-42f8-8dfa-0a501a9e2ff4" providerId="ADAL" clId="{FDDD45CB-1330-4033-A842-3D2746AFF7C7}" dt="2025-08-29T16:27:44.390" v="8" actId="1076"/>
+          <ac:spMkLst>
+            <pc:docMk/>
+            <pc:sldMk cId="1529927900" sldId="686"/>
+            <ac:spMk id="10" creationId="{4154B73E-4779-7BDC-7A99-13723CD4D474}"/>
+          </ac:spMkLst>
+        </pc:spChg>
+        <pc:picChg chg="del">
+          <ac:chgData name="Lizethe Pérez Fuertes" userId="4ae9ef87-2a7d-42f8-8dfa-0a501a9e2ff4" providerId="ADAL" clId="{FDDD45CB-1330-4033-A842-3D2746AFF7C7}" dt="2025-08-29T16:27:19.350" v="0" actId="478"/>
+          <ac:picMkLst>
+            <pc:docMk/>
+            <pc:sldMk cId="1529927900" sldId="686"/>
+            <ac:picMk id="11" creationId="{07170C2F-0E84-F907-265A-3BD099A1DD16}"/>
+          </ac:picMkLst>
+        </pc:picChg>
+        <pc:picChg chg="add mod">
+          <ac:chgData name="Lizethe Pérez Fuertes" userId="4ae9ef87-2a7d-42f8-8dfa-0a501a9e2ff4" providerId="ADAL" clId="{FDDD45CB-1330-4033-A842-3D2746AFF7C7}" dt="2025-08-29T16:27:44.390" v="8" actId="1076"/>
+          <ac:picMkLst>
+            <pc:docMk/>
+            <pc:sldMk cId="1529927900" sldId="686"/>
+            <ac:picMk id="13" creationId="{76AE8386-A41B-E1D0-46EC-D8EC5C8FB33C}"/>
+          </ac:picMkLst>
+        </pc:picChg>
+      </pc:sldChg>
+    </pc:docChg>
+  </pc:docChgLst>
+</pc:chgInfo>
+</file>
+
 <file path=ppt/notesMasters/notesMaster1.xml><?xml version="1.0" encoding="utf-8"?>
 <p:notesMaster xmlns:a="http://schemas.openxmlformats.org/drawingml/2006/main" xmlns:r="http://schemas.openxmlformats.org/officeDocument/2006/relationships" xmlns:p="http://schemas.openxmlformats.org/presentationml/2006/main">
   <p:cSld>
@@ -221,7 +306,7 @@
           <a:p>
             <a:fld id="{DDE721D5-655F-45D2-B717-3C4CD78C8568}" type="datetimeFigureOut">
               <a:rPr lang="es-MX" smtClean="0"/>
-              <a:t>17/07/2025</a:t>
+              <a:t>28/08/2025</a:t>
             </a:fld>
             <a:endParaRPr lang="es-MX" dirty="0"/>
           </a:p>
@@ -380,7 +465,7 @@
           <a:p>
             <a:fld id="{6BAB4312-99A1-4CE9-ACE7-4C62E9FD90EE}" type="slidenum">
               <a:rPr lang="es-MX" smtClean="0"/>
-              <a:t>‹#›</a:t>
+              <a:t>‹Nº›</a:t>
             </a:fld>
             <a:endParaRPr lang="es-MX" dirty="0"/>
           </a:p>
@@ -972,7 +1057,7 @@
           <a:p>
             <a:fld id="{B3F3E716-CACC-4490-AD07-F24B6A68DE47}" type="datetimeFigureOut">
               <a:rPr lang="es-MX" smtClean="0"/>
-              <a:t>17/07/2025</a:t>
+              <a:t>28/08/2025</a:t>
             </a:fld>
             <a:endParaRPr lang="es-MX" dirty="0"/>
           </a:p>
@@ -1014,7 +1099,7 @@
           <a:p>
             <a:fld id="{52A58D3C-5A37-463D-B2C9-8DF65AE0B01C}" type="slidenum">
               <a:rPr lang="es-MX" smtClean="0"/>
-              <a:t>‹#›</a:t>
+              <a:t>‹Nº›</a:t>
             </a:fld>
             <a:endParaRPr lang="es-MX" dirty="0"/>
           </a:p>
@@ -1142,7 +1227,7 @@
           <a:p>
             <a:fld id="{B3F3E716-CACC-4490-AD07-F24B6A68DE47}" type="datetimeFigureOut">
               <a:rPr lang="es-MX" smtClean="0"/>
-              <a:t>17/07/2025</a:t>
+              <a:t>28/08/2025</a:t>
             </a:fld>
             <a:endParaRPr lang="es-MX" dirty="0"/>
           </a:p>
@@ -1184,7 +1269,7 @@
           <a:p>
             <a:fld id="{52A58D3C-5A37-463D-B2C9-8DF65AE0B01C}" type="slidenum">
               <a:rPr lang="es-MX" smtClean="0"/>
-              <a:t>‹#›</a:t>
+              <a:t>‹Nº›</a:t>
             </a:fld>
             <a:endParaRPr lang="es-MX" dirty="0"/>
           </a:p>
@@ -1322,7 +1407,7 @@
           <a:p>
             <a:fld id="{B3F3E716-CACC-4490-AD07-F24B6A68DE47}" type="datetimeFigureOut">
               <a:rPr lang="es-MX" smtClean="0"/>
-              <a:t>17/07/2025</a:t>
+              <a:t>28/08/2025</a:t>
             </a:fld>
             <a:endParaRPr lang="es-MX" dirty="0"/>
           </a:p>
@@ -1364,7 +1449,7 @@
           <a:p>
             <a:fld id="{52A58D3C-5A37-463D-B2C9-8DF65AE0B01C}" type="slidenum">
               <a:rPr lang="es-MX" smtClean="0"/>
-              <a:t>‹#›</a:t>
+              <a:t>‹Nº›</a:t>
             </a:fld>
             <a:endParaRPr lang="es-MX" dirty="0"/>
           </a:p>
@@ -1475,7 +1560,7 @@
           <a:p>
             <a:fld id="{1D8BD707-D9CF-40AE-B4C6-C98DA3205C09}" type="datetimeFigureOut">
               <a:rPr lang="en-US" smtClean="0"/>
-              <a:t>7/17/2025</a:t>
+              <a:t>8/28/2025</a:t>
             </a:fld>
             <a:endParaRPr lang="en-US" dirty="0"/>
           </a:p>
@@ -1505,7 +1590,7 @@
                 <a:cs typeface="Calibri"/>
               </a:rPr>
               <a:pPr marL="25400"/>
-              <a:t>‹#›</a:t>
+              <a:t>‹Nº›</a:t>
             </a:fld>
             <a:endParaRPr lang="es-MX" dirty="0">
               <a:cs typeface="Calibri"/>
@@ -1804,7 +1889,7 @@
             <a:fld id="{D829B6A8-D253-4D4B-A3FA-70749FCD26F0}" type="slidenum">
               <a:rPr lang="es-ES" altLang="es-MX"/>
               <a:pPr/>
-              <a:t>‹#›</a:t>
+              <a:t>‹Nº›</a:t>
             </a:fld>
             <a:endParaRPr lang="es-ES" altLang="es-MX" dirty="0"/>
           </a:p>
@@ -1932,7 +2017,7 @@
           <a:p>
             <a:fld id="{B3F3E716-CACC-4490-AD07-F24B6A68DE47}" type="datetimeFigureOut">
               <a:rPr lang="es-MX" smtClean="0"/>
-              <a:t>17/07/2025</a:t>
+              <a:t>28/08/2025</a:t>
             </a:fld>
             <a:endParaRPr lang="es-MX" dirty="0"/>
           </a:p>
@@ -1974,7 +2059,7 @@
           <a:p>
             <a:fld id="{52A58D3C-5A37-463D-B2C9-8DF65AE0B01C}" type="slidenum">
               <a:rPr lang="es-MX" smtClean="0"/>
-              <a:t>‹#›</a:t>
+              <a:t>‹Nº›</a:t>
             </a:fld>
             <a:endParaRPr lang="es-MX" dirty="0"/>
           </a:p>
@@ -2178,7 +2263,7 @@
           <a:p>
             <a:fld id="{B3F3E716-CACC-4490-AD07-F24B6A68DE47}" type="datetimeFigureOut">
               <a:rPr lang="es-MX" smtClean="0"/>
-              <a:t>17/07/2025</a:t>
+              <a:t>28/08/2025</a:t>
             </a:fld>
             <a:endParaRPr lang="es-MX" dirty="0"/>
           </a:p>
@@ -2220,7 +2305,7 @@
           <a:p>
             <a:fld id="{52A58D3C-5A37-463D-B2C9-8DF65AE0B01C}" type="slidenum">
               <a:rPr lang="es-MX" smtClean="0"/>
-              <a:t>‹#›</a:t>
+              <a:t>‹Nº›</a:t>
             </a:fld>
             <a:endParaRPr lang="es-MX" dirty="0"/>
           </a:p>
@@ -2466,7 +2551,7 @@
           <a:p>
             <a:fld id="{B3F3E716-CACC-4490-AD07-F24B6A68DE47}" type="datetimeFigureOut">
               <a:rPr lang="es-MX" smtClean="0"/>
-              <a:t>17/07/2025</a:t>
+              <a:t>28/08/2025</a:t>
             </a:fld>
             <a:endParaRPr lang="es-MX" dirty="0"/>
           </a:p>
@@ -2508,7 +2593,7 @@
           <a:p>
             <a:fld id="{52A58D3C-5A37-463D-B2C9-8DF65AE0B01C}" type="slidenum">
               <a:rPr lang="es-MX" smtClean="0"/>
-              <a:t>‹#›</a:t>
+              <a:t>‹Nº›</a:t>
             </a:fld>
             <a:endParaRPr lang="es-MX" dirty="0"/>
           </a:p>
@@ -2888,7 +2973,7 @@
           <a:p>
             <a:fld id="{B3F3E716-CACC-4490-AD07-F24B6A68DE47}" type="datetimeFigureOut">
               <a:rPr lang="es-MX" smtClean="0"/>
-              <a:t>17/07/2025</a:t>
+              <a:t>28/08/2025</a:t>
             </a:fld>
             <a:endParaRPr lang="es-MX" dirty="0"/>
           </a:p>
@@ -2930,7 +3015,7 @@
           <a:p>
             <a:fld id="{52A58D3C-5A37-463D-B2C9-8DF65AE0B01C}" type="slidenum">
               <a:rPr lang="es-MX" smtClean="0"/>
-              <a:t>‹#›</a:t>
+              <a:t>‹Nº›</a:t>
             </a:fld>
             <a:endParaRPr lang="es-MX" dirty="0"/>
           </a:p>
@@ -3006,7 +3091,7 @@
           <a:p>
             <a:fld id="{B3F3E716-CACC-4490-AD07-F24B6A68DE47}" type="datetimeFigureOut">
               <a:rPr lang="es-MX" smtClean="0"/>
-              <a:t>17/07/2025</a:t>
+              <a:t>28/08/2025</a:t>
             </a:fld>
             <a:endParaRPr lang="es-MX" dirty="0"/>
           </a:p>
@@ -3048,7 +3133,7 @@
           <a:p>
             <a:fld id="{52A58D3C-5A37-463D-B2C9-8DF65AE0B01C}" type="slidenum">
               <a:rPr lang="es-MX" smtClean="0"/>
-              <a:t>‹#›</a:t>
+              <a:t>‹Nº›</a:t>
             </a:fld>
             <a:endParaRPr lang="es-MX" dirty="0"/>
           </a:p>
@@ -3101,7 +3186,7 @@
           <a:p>
             <a:fld id="{B3F3E716-CACC-4490-AD07-F24B6A68DE47}" type="datetimeFigureOut">
               <a:rPr lang="es-MX" smtClean="0"/>
-              <a:t>17/07/2025</a:t>
+              <a:t>28/08/2025</a:t>
             </a:fld>
             <a:endParaRPr lang="es-MX" dirty="0"/>
           </a:p>
@@ -3143,7 +3228,7 @@
           <a:p>
             <a:fld id="{52A58D3C-5A37-463D-B2C9-8DF65AE0B01C}" type="slidenum">
               <a:rPr lang="es-MX" smtClean="0"/>
-              <a:t>‹#›</a:t>
+              <a:t>‹Nº›</a:t>
             </a:fld>
             <a:endParaRPr lang="es-MX" dirty="0"/>
           </a:p>
@@ -3378,7 +3463,7 @@
           <a:p>
             <a:fld id="{B3F3E716-CACC-4490-AD07-F24B6A68DE47}" type="datetimeFigureOut">
               <a:rPr lang="es-MX" smtClean="0"/>
-              <a:t>17/07/2025</a:t>
+              <a:t>28/08/2025</a:t>
             </a:fld>
             <a:endParaRPr lang="es-MX" dirty="0"/>
           </a:p>
@@ -3420,7 +3505,7 @@
           <a:p>
             <a:fld id="{52A58D3C-5A37-463D-B2C9-8DF65AE0B01C}" type="slidenum">
               <a:rPr lang="es-MX" smtClean="0"/>
-              <a:t>‹#›</a:t>
+              <a:t>‹Nº›</a:t>
             </a:fld>
             <a:endParaRPr lang="es-MX" dirty="0"/>
           </a:p>
@@ -3631,7 +3716,7 @@
           <a:p>
             <a:fld id="{B3F3E716-CACC-4490-AD07-F24B6A68DE47}" type="datetimeFigureOut">
               <a:rPr lang="es-MX" smtClean="0"/>
-              <a:t>17/07/2025</a:t>
+              <a:t>28/08/2025</a:t>
             </a:fld>
             <a:endParaRPr lang="es-MX" dirty="0"/>
           </a:p>
@@ -3673,7 +3758,7 @@
           <a:p>
             <a:fld id="{52A58D3C-5A37-463D-B2C9-8DF65AE0B01C}" type="slidenum">
               <a:rPr lang="es-MX" smtClean="0"/>
-              <a:t>‹#›</a:t>
+              <a:t>‹Nº›</a:t>
             </a:fld>
             <a:endParaRPr lang="es-MX" dirty="0"/>
           </a:p>
@@ -3844,7 +3929,7 @@
           <a:p>
             <a:fld id="{B3F3E716-CACC-4490-AD07-F24B6A68DE47}" type="datetimeFigureOut">
               <a:rPr lang="es-MX" smtClean="0"/>
-              <a:t>17/07/2025</a:t>
+              <a:t>28/08/2025</a:t>
             </a:fld>
             <a:endParaRPr lang="es-MX" dirty="0"/>
           </a:p>
@@ -3922,7 +4007,7 @@
           <a:p>
             <a:fld id="{52A58D3C-5A37-463D-B2C9-8DF65AE0B01C}" type="slidenum">
               <a:rPr lang="es-MX" smtClean="0"/>
-              <a:t>‹#›</a:t>
+              <a:t>‹Nº›</a:t>
             </a:fld>
             <a:endParaRPr lang="es-MX" dirty="0"/>
           </a:p>
@@ -5713,7 +5798,7 @@
         </p:blipFill>
         <p:spPr>
           <a:xfrm>
-            <a:off x="801254" y="4149080"/>
+            <a:off x="801254" y="4147854"/>
             <a:ext cx="5582429" cy="2362530"/>
           </a:xfrm>
           <a:prstGeom prst="rect">
@@ -5798,6 +5883,178 @@
           </a:prstGeom>
         </p:spPr>
       </p:pic>
+      <p:sp>
+        <p:nvSpPr>
+          <p:cNvPr id="3" name="Rectángulo 2">
+            <a:extLst>
+              <a:ext uri="{FF2B5EF4-FFF2-40B4-BE49-F238E27FC236}">
+                <a16:creationId xmlns:a16="http://schemas.microsoft.com/office/drawing/2014/main" id="{442E8623-DAC3-838B-7DF8-8180E057577E}"/>
+              </a:ext>
+            </a:extLst>
+          </p:cNvPr>
+          <p:cNvSpPr/>
+          <p:nvPr/>
+        </p:nvSpPr>
+        <p:spPr>
+          <a:xfrm>
+            <a:off x="781644" y="2680517"/>
+            <a:ext cx="3194681" cy="1180039"/>
+          </a:xfrm>
+          <a:prstGeom prst="rect">
+            <a:avLst/>
+          </a:prstGeom>
+          <a:noFill/>
+          <a:ln>
+            <a:solidFill>
+              <a:srgbClr val="0070C0"/>
+            </a:solidFill>
+          </a:ln>
+        </p:spPr>
+        <p:style>
+          <a:lnRef idx="2">
+            <a:schemeClr val="accent1">
+              <a:shade val="15000"/>
+            </a:schemeClr>
+          </a:lnRef>
+          <a:fillRef idx="1">
+            <a:schemeClr val="accent1"/>
+          </a:fillRef>
+          <a:effectRef idx="0">
+            <a:schemeClr val="accent1"/>
+          </a:effectRef>
+          <a:fontRef idx="minor">
+            <a:schemeClr val="lt1"/>
+          </a:fontRef>
+        </p:style>
+        <p:txBody>
+          <a:bodyPr rtlCol="0" anchor="ctr"/>
+          <a:lstStyle/>
+          <a:p>
+            <a:pPr algn="ctr"/>
+            <a:endParaRPr lang="es-MX"/>
+          </a:p>
+        </p:txBody>
+      </p:sp>
+      <p:sp>
+        <p:nvSpPr>
+          <p:cNvPr id="6" name="Rectangle 2">
+            <a:extLst>
+              <a:ext uri="{FF2B5EF4-FFF2-40B4-BE49-F238E27FC236}">
+                <a16:creationId xmlns:a16="http://schemas.microsoft.com/office/drawing/2014/main" id="{2D647904-C967-45BC-D6CA-862A0E5ACF79}"/>
+              </a:ext>
+            </a:extLst>
+          </p:cNvPr>
+          <p:cNvSpPr txBox="1">
+            <a:spLocks noChangeArrowheads="1"/>
+          </p:cNvSpPr>
+          <p:nvPr/>
+        </p:nvSpPr>
+        <p:spPr>
+          <a:xfrm>
+            <a:off x="4735035" y="4508363"/>
+            <a:ext cx="3149333" cy="975554"/>
+          </a:xfrm>
+          <a:prstGeom prst="rect">
+            <a:avLst/>
+          </a:prstGeom>
+          <a:ln>
+            <a:solidFill>
+              <a:schemeClr val="accent1"/>
+            </a:solidFill>
+          </a:ln>
+        </p:spPr>
+        <p:txBody>
+          <a:bodyPr vert="horz" lIns="91440" tIns="45720" rIns="91440" bIns="45720" rtlCol="0" anchor="ctr">
+            <a:normAutofit fontScale="92500" lnSpcReduction="10000"/>
+          </a:bodyPr>
+          <a:lstStyle>
+            <a:lvl1pPr algn="ctr" defTabSz="914400" rtl="0" eaLnBrk="1" latinLnBrk="0" hangingPunct="1">
+              <a:spcBef>
+                <a:spcPct val="0"/>
+              </a:spcBef>
+              <a:buNone/>
+              <a:defRPr sz="4400" kern="1200">
+                <a:solidFill>
+                  <a:schemeClr val="tx1"/>
+                </a:solidFill>
+                <a:latin typeface="+mj-lt"/>
+                <a:ea typeface="+mj-ea"/>
+                <a:cs typeface="+mj-cs"/>
+              </a:defRPr>
+            </a:lvl1pPr>
+          </a:lstStyle>
+          <a:p>
+            <a:pPr algn="l"/>
+            <a:r>
+              <a:rPr lang="es-ES" altLang="es-MX" sz="1600" b="1" dirty="0">
+                <a:solidFill>
+                  <a:srgbClr val="FF0000"/>
+                </a:solidFill>
+                <a:latin typeface="Dom Casual" charset="0"/>
+              </a:rPr>
+              <a:t>Después de probar que imprimir el atributo marchas en el objeto c2 marca error, porque no existe, pon esa línea de código en comentarios.</a:t>
+            </a:r>
+            <a:endParaRPr lang="es-ES_tradnl" altLang="es-MX" sz="1600" b="1" dirty="0">
+              <a:solidFill>
+                <a:srgbClr val="FF0000"/>
+              </a:solidFill>
+              <a:latin typeface="Dom Casual" charset="0"/>
+            </a:endParaRPr>
+          </a:p>
+        </p:txBody>
+      </p:sp>
+      <p:sp>
+        <p:nvSpPr>
+          <p:cNvPr id="9" name="Rectángulo 8">
+            <a:extLst>
+              <a:ext uri="{FF2B5EF4-FFF2-40B4-BE49-F238E27FC236}">
+                <a16:creationId xmlns:a16="http://schemas.microsoft.com/office/drawing/2014/main" id="{E7502919-41FA-4AB3-139B-9480E268BBCE}"/>
+              </a:ext>
+            </a:extLst>
+          </p:cNvPr>
+          <p:cNvSpPr/>
+          <p:nvPr/>
+        </p:nvSpPr>
+        <p:spPr>
+          <a:xfrm>
+            <a:off x="4717519" y="4509118"/>
+            <a:ext cx="3166850" cy="976047"/>
+          </a:xfrm>
+          <a:prstGeom prst="rect">
+            <a:avLst/>
+          </a:prstGeom>
+          <a:noFill/>
+          <a:ln>
+            <a:solidFill>
+              <a:srgbClr val="0070C0"/>
+            </a:solidFill>
+          </a:ln>
+        </p:spPr>
+        <p:style>
+          <a:lnRef idx="2">
+            <a:schemeClr val="accent1">
+              <a:shade val="15000"/>
+            </a:schemeClr>
+          </a:lnRef>
+          <a:fillRef idx="1">
+            <a:schemeClr val="accent1"/>
+          </a:fillRef>
+          <a:effectRef idx="0">
+            <a:schemeClr val="accent1"/>
+          </a:effectRef>
+          <a:fontRef idx="minor">
+            <a:schemeClr val="lt1"/>
+          </a:fontRef>
+        </p:style>
+        <p:txBody>
+          <a:bodyPr rtlCol="0" anchor="ctr"/>
+          <a:lstStyle/>
+          <a:p>
+            <a:pPr algn="ctr"/>
+            <a:endParaRPr lang="es-MX"/>
+          </a:p>
+        </p:txBody>
+      </p:sp>
     </p:spTree>
     <p:extLst>
       <p:ext uri="{BB962C8B-B14F-4D97-AF65-F5344CB8AC3E}">
@@ -6326,36 +6583,6 @@
           </a:p>
         </p:txBody>
       </p:sp>
-      <p:pic>
-        <p:nvPicPr>
-          <p:cNvPr id="10" name="Picture 9">
-            <a:extLst>
-              <a:ext uri="{FF2B5EF4-FFF2-40B4-BE49-F238E27FC236}">
-                <a16:creationId xmlns:a16="http://schemas.microsoft.com/office/drawing/2014/main" id="{C7717585-F120-F21C-D1D0-B29D218AECC3}"/>
-              </a:ext>
-            </a:extLst>
-          </p:cNvPr>
-          <p:cNvPicPr>
-            <a:picLocks noChangeAspect="1"/>
-          </p:cNvPicPr>
-          <p:nvPr/>
-        </p:nvPicPr>
-        <p:blipFill>
-          <a:blip r:embed="rId3"/>
-          <a:stretch>
-            <a:fillRect/>
-          </a:stretch>
-        </p:blipFill>
-        <p:spPr>
-          <a:xfrm>
-            <a:off x="4005183" y="4449187"/>
-            <a:ext cx="1133633" cy="1914792"/>
-          </a:xfrm>
-          <a:prstGeom prst="rect">
-            <a:avLst/>
-          </a:prstGeom>
-        </p:spPr>
-      </p:pic>
       <p:sp>
         <p:nvSpPr>
           <p:cNvPr id="11" name="Rectángulo 4">
@@ -6370,8 +6597,8 @@
         </p:nvSpPr>
         <p:spPr>
           <a:xfrm>
-            <a:off x="3959934" y="4412730"/>
-            <a:ext cx="1178882" cy="2040606"/>
+            <a:off x="3959934" y="4256404"/>
+            <a:ext cx="1260138" cy="2268940"/>
           </a:xfrm>
           <a:prstGeom prst="rect">
             <a:avLst/>
@@ -6418,6 +6645,88 @@
           <p:nvPr/>
         </p:nvPicPr>
         <p:blipFill>
+          <a:blip r:embed="rId3"/>
+          <a:stretch>
+            <a:fillRect/>
+          </a:stretch>
+        </p:blipFill>
+        <p:spPr>
+          <a:xfrm>
+            <a:off x="4657894" y="2041488"/>
+            <a:ext cx="4321379" cy="2111694"/>
+          </a:xfrm>
+          <a:prstGeom prst="rect">
+            <a:avLst/>
+          </a:prstGeom>
+        </p:spPr>
+      </p:pic>
+      <p:sp>
+        <p:nvSpPr>
+          <p:cNvPr id="6" name="Rectángulo 5">
+            <a:extLst>
+              <a:ext uri="{FF2B5EF4-FFF2-40B4-BE49-F238E27FC236}">
+                <a16:creationId xmlns:a16="http://schemas.microsoft.com/office/drawing/2014/main" id="{C8D2F54B-0B06-D8A5-63BC-DA684B4F5D38}"/>
+              </a:ext>
+            </a:extLst>
+          </p:cNvPr>
+          <p:cNvSpPr/>
+          <p:nvPr/>
+        </p:nvSpPr>
+        <p:spPr>
+          <a:xfrm>
+            <a:off x="827584" y="2416448"/>
+            <a:ext cx="3733527" cy="936104"/>
+          </a:xfrm>
+          <a:prstGeom prst="rect">
+            <a:avLst/>
+          </a:prstGeom>
+          <a:noFill/>
+          <a:ln>
+            <a:solidFill>
+              <a:srgbClr val="0070C0"/>
+            </a:solidFill>
+          </a:ln>
+        </p:spPr>
+        <p:style>
+          <a:lnRef idx="2">
+            <a:schemeClr val="accent1">
+              <a:shade val="15000"/>
+            </a:schemeClr>
+          </a:lnRef>
+          <a:fillRef idx="1">
+            <a:schemeClr val="accent1"/>
+          </a:fillRef>
+          <a:effectRef idx="0">
+            <a:schemeClr val="accent1"/>
+          </a:effectRef>
+          <a:fontRef idx="minor">
+            <a:schemeClr val="lt1"/>
+          </a:fontRef>
+        </p:style>
+        <p:txBody>
+          <a:bodyPr rtlCol="0" anchor="ctr"/>
+          <a:lstStyle/>
+          <a:p>
+            <a:pPr algn="ctr"/>
+            <a:endParaRPr lang="es-MX"/>
+          </a:p>
+        </p:txBody>
+      </p:sp>
+      <p:pic>
+        <p:nvPicPr>
+          <p:cNvPr id="12" name="Imagen 11">
+            <a:extLst>
+              <a:ext uri="{FF2B5EF4-FFF2-40B4-BE49-F238E27FC236}">
+                <a16:creationId xmlns:a16="http://schemas.microsoft.com/office/drawing/2014/main" id="{66FFBBFA-284E-0081-C8F3-5FB101D2885D}"/>
+              </a:ext>
+            </a:extLst>
+          </p:cNvPr>
+          <p:cNvPicPr>
+            <a:picLocks noChangeAspect="1"/>
+          </p:cNvPicPr>
+          <p:nvPr/>
+        </p:nvPicPr>
+        <p:blipFill>
           <a:blip r:embed="rId4"/>
           <a:stretch>
             <a:fillRect/>
@@ -6425,8 +6734,8 @@
         </p:blipFill>
         <p:spPr>
           <a:xfrm>
-            <a:off x="4675955" y="2144710"/>
-            <a:ext cx="4321379" cy="2111694"/>
+            <a:off x="4032023" y="4293096"/>
+            <a:ext cx="1115959" cy="2191338"/>
           </a:xfrm>
           <a:prstGeom prst="rect">
             <a:avLst/>
@@ -6528,7 +6837,7 @@
         <p:spPr>
           <a:xfrm>
             <a:off x="719572" y="1324244"/>
-            <a:ext cx="7992888" cy="740370"/>
+            <a:ext cx="7812868" cy="740370"/>
           </a:xfrm>
           <a:prstGeom prst="rect">
             <a:avLst/>
@@ -6687,6 +6996,35 @@
             </a:pPr>
             <a:r>
               <a:rPr lang="es-ES" altLang="es-MX" sz="1400" dirty="0">
+                <a:latin typeface="Dom Casual" charset="0"/>
+              </a:rPr>
+              <a:t>Dentro de la clase </a:t>
+            </a:r>
+            <a:r>
+              <a:rPr lang="es-ES" altLang="es-MX" sz="1400" b="1" dirty="0">
+                <a:latin typeface="Dom Casual" charset="0"/>
+              </a:rPr>
+              <a:t>Coche</a:t>
+            </a:r>
+            <a:r>
+              <a:rPr lang="es-ES" altLang="es-MX" sz="1400" dirty="0">
+                <a:latin typeface="Dom Casual" charset="0"/>
+              </a:rPr>
+              <a:t>, crea el método </a:t>
+            </a:r>
+            <a:r>
+              <a:rPr lang="es-ES" altLang="es-MX" sz="1400" b="1" dirty="0">
+                <a:solidFill>
+                  <a:schemeClr val="accent6">
+                    <a:lumMod val="75000"/>
+                  </a:schemeClr>
+                </a:solidFill>
+                <a:latin typeface="Dom Casual" charset="0"/>
+              </a:rPr>
+              <a:t>mostrar</a:t>
+            </a:r>
+            <a:r>
+              <a:rPr lang="es-ES" altLang="es-MX" sz="1400" dirty="0">
                 <a:solidFill>
                   <a:schemeClr val="bg2">
                     <a:lumMod val="10000"/>
@@ -6694,29 +7032,7 @@
                 </a:solidFill>
                 <a:latin typeface="Dom Casual" charset="0"/>
               </a:rPr>
-              <a:t>Crea el método </a:t>
-            </a:r>
-            <a:r>
-              <a:rPr lang="es-ES" altLang="es-MX" sz="1400" b="1" dirty="0">
-                <a:solidFill>
-                  <a:schemeClr val="accent6">
-                    <a:lumMod val="75000"/>
-                  </a:schemeClr>
-                </a:solidFill>
-                <a:latin typeface="Dom Casual" charset="0"/>
-              </a:rPr>
-              <a:t>mostrar</a:t>
-            </a:r>
-            <a:r>
-              <a:rPr lang="es-ES" altLang="es-MX" sz="1400" dirty="0">
-                <a:solidFill>
-                  <a:schemeClr val="bg2">
-                    <a:lumMod val="10000"/>
-                  </a:schemeClr>
-                </a:solidFill>
-                <a:latin typeface="Dom Casual" charset="0"/>
-              </a:rPr>
-              <a:t> que regresa un </a:t>
+              <a:t> que regrese un </a:t>
             </a:r>
             <a:r>
               <a:rPr lang="es-ES" altLang="es-MX" sz="1400" dirty="0" err="1">
@@ -6862,25 +7178,57 @@
             </a:lvl1pPr>
           </a:lstStyle>
           <a:p>
-            <a:pPr marL="285750" indent="-285750" algn="l">
-              <a:buFont typeface="Arial" panose="020B0604020202020204" pitchFamily="34" charset="0"/>
-              <a:buChar char="•"/>
-            </a:pPr>
+            <a:pPr algn="l"/>
+            <a:r>
+              <a:rPr lang="es-ES" altLang="es-MX" sz="1600" dirty="0">
+                <a:latin typeface="Dom Casual" charset="0"/>
+              </a:rPr>
+              <a:t>En el </a:t>
+            </a:r>
+            <a:r>
+              <a:rPr lang="es-ES" altLang="es-MX" sz="1600" b="1" dirty="0" err="1">
+                <a:latin typeface="Dom Casual" charset="0"/>
+              </a:rPr>
+              <a:t>main</a:t>
+            </a:r>
+            <a:r>
+              <a:rPr lang="es-ES" altLang="es-MX" sz="1600" dirty="0">
+                <a:latin typeface="Dom Casual" charset="0"/>
+              </a:rPr>
+              <a:t>, imprime el resultado del método </a:t>
+            </a:r>
             <a:r>
               <a:rPr lang="es-ES" altLang="es-MX" sz="1600" b="1" dirty="0">
                 <a:solidFill>
+                  <a:schemeClr val="accent6">
+                    <a:lumMod val="75000"/>
+                  </a:schemeClr>
+                </a:solidFill>
+                <a:latin typeface="Dom Casual" charset="0"/>
+              </a:rPr>
+              <a:t>mostrar</a:t>
+            </a:r>
+            <a:r>
+              <a:rPr lang="es-ES" altLang="es-MX" sz="1600" dirty="0">
+                <a:latin typeface="Dom Casual" charset="0"/>
+              </a:rPr>
+              <a:t> para el objeto </a:t>
+            </a:r>
+            <a:r>
+              <a:rPr lang="es-ES" altLang="es-MX" sz="1600" b="1" dirty="0">
+                <a:solidFill>
                   <a:srgbClr val="FF0000"/>
                 </a:solidFill>
                 <a:latin typeface="Dom Casual" charset="0"/>
               </a:rPr>
-              <a:t>Dentro de la clase Coche, crea el método mostrar.</a:t>
-            </a:r>
-          </a:p>
-          <a:p>
-            <a:pPr marL="285750" indent="-285750" algn="l">
-              <a:buFont typeface="Arial" panose="020B0604020202020204" pitchFamily="34" charset="0"/>
-              <a:buChar char="•"/>
-            </a:pPr>
+              <a:t>c1</a:t>
+            </a:r>
+            <a:r>
+              <a:rPr lang="es-ES" altLang="es-MX" sz="1600" dirty="0">
+                <a:latin typeface="Dom Casual" charset="0"/>
+              </a:rPr>
+              <a:t> y </a:t>
+            </a:r>
             <a:r>
               <a:rPr lang="es-ES" altLang="es-MX" sz="1600" b="1" dirty="0">
                 <a:solidFill>
@@ -6888,30 +7236,15 @@
                 </a:solidFill>
                 <a:latin typeface="Dom Casual" charset="0"/>
               </a:rPr>
-              <a:t>En el </a:t>
-            </a:r>
-            <a:r>
-              <a:rPr lang="es-ES" altLang="es-MX" sz="1600" b="1" dirty="0" err="1">
-                <a:solidFill>
-                  <a:srgbClr val="FF0000"/>
-                </a:solidFill>
+              <a:t>c2</a:t>
+            </a:r>
+            <a:r>
+              <a:rPr lang="es-ES" altLang="es-MX" sz="1600" dirty="0">
                 <a:latin typeface="Dom Casual" charset="0"/>
               </a:rPr>
-              <a:t>main</a:t>
-            </a:r>
-            <a:r>
-              <a:rPr lang="es-ES" altLang="es-MX" sz="1600" b="1" dirty="0">
-                <a:solidFill>
-                  <a:srgbClr val="FF0000"/>
-                </a:solidFill>
-                <a:latin typeface="Dom Casual" charset="0"/>
-              </a:rPr>
-              <a:t>, imprime el resultado del método mostrar para el objeto c1 y c2.</a:t>
-            </a:r>
-            <a:endParaRPr lang="es-ES_tradnl" altLang="es-MX" sz="1600" b="1" dirty="0">
-              <a:solidFill>
-                <a:srgbClr val="FF0000"/>
-              </a:solidFill>
+              <a:t>.</a:t>
+            </a:r>
+            <a:endParaRPr lang="es-ES_tradnl" altLang="es-MX" sz="1600" dirty="0">
               <a:latin typeface="Dom Casual" charset="0"/>
             </a:endParaRPr>
           </a:p>
@@ -6931,7 +7264,7 @@
         </p:nvGrpSpPr>
         <p:grpSpPr>
           <a:xfrm>
-            <a:off x="755576" y="2113081"/>
+            <a:off x="719572" y="2348880"/>
             <a:ext cx="4608394" cy="3446244"/>
             <a:chOff x="755576" y="2113081"/>
             <a:chExt cx="4608394" cy="3446244"/>
@@ -6998,6 +7331,110 @@
           </p:spPr>
         </p:pic>
       </p:grpSp>
+      <p:sp>
+        <p:nvSpPr>
+          <p:cNvPr id="9" name="Rectángulo 8">
+            <a:extLst>
+              <a:ext uri="{FF2B5EF4-FFF2-40B4-BE49-F238E27FC236}">
+                <a16:creationId xmlns:a16="http://schemas.microsoft.com/office/drawing/2014/main" id="{1CBA03B3-59BA-9474-EBB9-D0E4438AFB83}"/>
+              </a:ext>
+            </a:extLst>
+          </p:cNvPr>
+          <p:cNvSpPr/>
+          <p:nvPr/>
+        </p:nvSpPr>
+        <p:spPr>
+          <a:xfrm>
+            <a:off x="719572" y="1310045"/>
+            <a:ext cx="7812868" cy="679087"/>
+          </a:xfrm>
+          <a:prstGeom prst="rect">
+            <a:avLst/>
+          </a:prstGeom>
+          <a:noFill/>
+          <a:ln>
+            <a:solidFill>
+              <a:srgbClr val="0070C0"/>
+            </a:solidFill>
+          </a:ln>
+        </p:spPr>
+        <p:style>
+          <a:lnRef idx="2">
+            <a:schemeClr val="accent1">
+              <a:shade val="15000"/>
+            </a:schemeClr>
+          </a:lnRef>
+          <a:fillRef idx="1">
+            <a:schemeClr val="accent1"/>
+          </a:fillRef>
+          <a:effectRef idx="0">
+            <a:schemeClr val="accent1"/>
+          </a:effectRef>
+          <a:fontRef idx="minor">
+            <a:schemeClr val="lt1"/>
+          </a:fontRef>
+        </p:style>
+        <p:txBody>
+          <a:bodyPr rtlCol="0" anchor="ctr"/>
+          <a:lstStyle/>
+          <a:p>
+            <a:pPr algn="ctr"/>
+            <a:endParaRPr lang="es-MX"/>
+          </a:p>
+        </p:txBody>
+      </p:sp>
+      <p:sp>
+        <p:nvSpPr>
+          <p:cNvPr id="10" name="Rectángulo 9">
+            <a:extLst>
+              <a:ext uri="{FF2B5EF4-FFF2-40B4-BE49-F238E27FC236}">
+                <a16:creationId xmlns:a16="http://schemas.microsoft.com/office/drawing/2014/main" id="{51AC97C2-1693-AAC7-7F54-CD4C2B05FFEB}"/>
+              </a:ext>
+            </a:extLst>
+          </p:cNvPr>
+          <p:cNvSpPr/>
+          <p:nvPr/>
+        </p:nvSpPr>
+        <p:spPr>
+          <a:xfrm>
+            <a:off x="5004048" y="2924944"/>
+            <a:ext cx="3528392" cy="1468607"/>
+          </a:xfrm>
+          <a:prstGeom prst="rect">
+            <a:avLst/>
+          </a:prstGeom>
+          <a:noFill/>
+          <a:ln>
+            <a:solidFill>
+              <a:srgbClr val="0070C0"/>
+            </a:solidFill>
+          </a:ln>
+        </p:spPr>
+        <p:style>
+          <a:lnRef idx="2">
+            <a:schemeClr val="accent1">
+              <a:shade val="15000"/>
+            </a:schemeClr>
+          </a:lnRef>
+          <a:fillRef idx="1">
+            <a:schemeClr val="accent1"/>
+          </a:fillRef>
+          <a:effectRef idx="0">
+            <a:schemeClr val="accent1"/>
+          </a:effectRef>
+          <a:fontRef idx="minor">
+            <a:schemeClr val="lt1"/>
+          </a:fontRef>
+        </p:style>
+        <p:txBody>
+          <a:bodyPr rtlCol="0" anchor="ctr"/>
+          <a:lstStyle/>
+          <a:p>
+            <a:pPr algn="ctr"/>
+            <a:endParaRPr lang="es-MX"/>
+          </a:p>
+        </p:txBody>
+      </p:sp>
     </p:spTree>
     <p:extLst>
       <p:ext uri="{BB962C8B-B14F-4D97-AF65-F5344CB8AC3E}">
@@ -7012,6 +7449,172 @@
 </file>
 
 <file path=ppt/slides/slide14.xml><?xml version="1.0" encoding="utf-8"?>
+<p:sld xmlns:a="http://schemas.openxmlformats.org/drawingml/2006/main" xmlns:r="http://schemas.openxmlformats.org/officeDocument/2006/relationships" xmlns:p="http://schemas.openxmlformats.org/presentationml/2006/main">
+  <p:cSld>
+    <p:spTree>
+      <p:nvGrpSpPr>
+        <p:cNvPr id="1" name="">
+          <a:extLst>
+            <a:ext uri="{FF2B5EF4-FFF2-40B4-BE49-F238E27FC236}">
+              <a16:creationId xmlns:a16="http://schemas.microsoft.com/office/drawing/2014/main" id="{9F59E1B4-2F09-F001-D4DD-BC839F4CA833}"/>
+            </a:ext>
+          </a:extLst>
+        </p:cNvPr>
+        <p:cNvGrpSpPr/>
+        <p:nvPr/>
+      </p:nvGrpSpPr>
+      <p:grpSpPr>
+        <a:xfrm>
+          <a:off x="0" y="0"/>
+          <a:ext cx="0" cy="0"/>
+          <a:chOff x="0" y="0"/>
+          <a:chExt cx="0" cy="0"/>
+        </a:xfrm>
+      </p:grpSpPr>
+      <p:sp>
+        <p:nvSpPr>
+          <p:cNvPr id="6" name="Rectangle 2">
+            <a:extLst>
+              <a:ext uri="{FF2B5EF4-FFF2-40B4-BE49-F238E27FC236}">
+                <a16:creationId xmlns:a16="http://schemas.microsoft.com/office/drawing/2014/main" id="{0BE8A8E1-C316-CD4A-7323-467EA59595C9}"/>
+              </a:ext>
+            </a:extLst>
+          </p:cNvPr>
+          <p:cNvSpPr>
+            <a:spLocks noGrp="1" noChangeArrowheads="1"/>
+          </p:cNvSpPr>
+          <p:nvPr>
+            <p:ph type="title"/>
+          </p:nvPr>
+        </p:nvSpPr>
+        <p:spPr>
+          <a:xfrm>
+            <a:off x="899592" y="188640"/>
+            <a:ext cx="7174879" cy="1143001"/>
+          </a:xfrm>
+        </p:spPr>
+        <p:txBody>
+          <a:bodyPr>
+            <a:normAutofit/>
+          </a:bodyPr>
+          <a:lstStyle/>
+          <a:p>
+            <a:pPr algn="ctr"/>
+            <a:r>
+              <a:rPr lang="es-ES_tradnl" altLang="es-MX" b="1" dirty="0">
+                <a:solidFill>
+                  <a:schemeClr val="accent4">
+                    <a:lumMod val="50000"/>
+                  </a:schemeClr>
+                </a:solidFill>
+                <a:effectLst>
+                  <a:outerShdw blurRad="38100" dist="38100" dir="2700000" algn="tl">
+                    <a:srgbClr val="C0C0C0"/>
+                  </a:outerShdw>
+                </a:effectLst>
+                <a:latin typeface="Dom Casual" charset="0"/>
+              </a:rPr>
+              <a:t>Comprueba tus resultados</a:t>
+            </a:r>
+          </a:p>
+        </p:txBody>
+      </p:sp>
+      <p:sp>
+        <p:nvSpPr>
+          <p:cNvPr id="10" name="Rectángulo 9">
+            <a:extLst>
+              <a:ext uri="{FF2B5EF4-FFF2-40B4-BE49-F238E27FC236}">
+                <a16:creationId xmlns:a16="http://schemas.microsoft.com/office/drawing/2014/main" id="{4154B73E-4779-7BDC-7A99-13723CD4D474}"/>
+              </a:ext>
+            </a:extLst>
+          </p:cNvPr>
+          <p:cNvSpPr/>
+          <p:nvPr/>
+        </p:nvSpPr>
+        <p:spPr>
+          <a:xfrm>
+            <a:off x="1619672" y="1484784"/>
+            <a:ext cx="5832648" cy="4104456"/>
+          </a:xfrm>
+          <a:prstGeom prst="rect">
+            <a:avLst/>
+          </a:prstGeom>
+          <a:noFill/>
+          <a:ln>
+            <a:solidFill>
+              <a:srgbClr val="0070C0"/>
+            </a:solidFill>
+          </a:ln>
+        </p:spPr>
+        <p:style>
+          <a:lnRef idx="2">
+            <a:schemeClr val="accent1">
+              <a:shade val="15000"/>
+            </a:schemeClr>
+          </a:lnRef>
+          <a:fillRef idx="1">
+            <a:schemeClr val="accent1"/>
+          </a:fillRef>
+          <a:effectRef idx="0">
+            <a:schemeClr val="accent1"/>
+          </a:effectRef>
+          <a:fontRef idx="minor">
+            <a:schemeClr val="lt1"/>
+          </a:fontRef>
+        </p:style>
+        <p:txBody>
+          <a:bodyPr rtlCol="0" anchor="ctr"/>
+          <a:lstStyle/>
+          <a:p>
+            <a:pPr algn="ctr"/>
+            <a:endParaRPr lang="es-MX"/>
+          </a:p>
+        </p:txBody>
+      </p:sp>
+      <p:pic>
+        <p:nvPicPr>
+          <p:cNvPr id="13" name="Imagen 12">
+            <a:extLst>
+              <a:ext uri="{FF2B5EF4-FFF2-40B4-BE49-F238E27FC236}">
+                <a16:creationId xmlns:a16="http://schemas.microsoft.com/office/drawing/2014/main" id="{76AE8386-A41B-E1D0-46EC-D8EC5C8FB33C}"/>
+              </a:ext>
+            </a:extLst>
+          </p:cNvPr>
+          <p:cNvPicPr>
+            <a:picLocks noChangeAspect="1"/>
+          </p:cNvPicPr>
+          <p:nvPr/>
+        </p:nvPicPr>
+        <p:blipFill>
+          <a:blip r:embed="rId2"/>
+          <a:stretch>
+            <a:fillRect/>
+          </a:stretch>
+        </p:blipFill>
+        <p:spPr>
+          <a:xfrm>
+            <a:off x="1907704" y="1628800"/>
+            <a:ext cx="5268060" cy="3753374"/>
+          </a:xfrm>
+          <a:prstGeom prst="rect">
+            <a:avLst/>
+          </a:prstGeom>
+        </p:spPr>
+      </p:pic>
+    </p:spTree>
+    <p:extLst>
+      <p:ext uri="{BB962C8B-B14F-4D97-AF65-F5344CB8AC3E}">
+        <p14:creationId xmlns:p14="http://schemas.microsoft.com/office/powerpoint/2010/main" val="1529927900"/>
+      </p:ext>
+    </p:extLst>
+  </p:cSld>
+  <p:clrMapOvr>
+    <a:masterClrMapping/>
+  </p:clrMapOvr>
+</p:sld>
+</file>
+
+<file path=ppt/slides/slide15.xml><?xml version="1.0" encoding="utf-8"?>
 <p:sld xmlns:a="http://schemas.openxmlformats.org/drawingml/2006/main" xmlns:r="http://schemas.openxmlformats.org/officeDocument/2006/relationships" xmlns:p="http://schemas.openxmlformats.org/presentationml/2006/main">
   <p:cSld>
     <p:spTree>
@@ -9879,6 +10482,58 @@
           </p:spPr>
         </p:pic>
       </p:grpSp>
+      <p:sp>
+        <p:nvSpPr>
+          <p:cNvPr id="5" name="Rectángulo 4">
+            <a:extLst>
+              <a:ext uri="{FF2B5EF4-FFF2-40B4-BE49-F238E27FC236}">
+                <a16:creationId xmlns:a16="http://schemas.microsoft.com/office/drawing/2014/main" id="{E5D526F5-F334-F6EC-C117-79754D82B461}"/>
+              </a:ext>
+            </a:extLst>
+          </p:cNvPr>
+          <p:cNvSpPr/>
+          <p:nvPr/>
+        </p:nvSpPr>
+        <p:spPr>
+          <a:xfrm>
+            <a:off x="5459676" y="1559631"/>
+            <a:ext cx="2807893" cy="1159835"/>
+          </a:xfrm>
+          <a:prstGeom prst="rect">
+            <a:avLst/>
+          </a:prstGeom>
+          <a:noFill/>
+          <a:ln>
+            <a:solidFill>
+              <a:srgbClr val="0070C0"/>
+            </a:solidFill>
+          </a:ln>
+        </p:spPr>
+        <p:style>
+          <a:lnRef idx="2">
+            <a:schemeClr val="accent1">
+              <a:shade val="15000"/>
+            </a:schemeClr>
+          </a:lnRef>
+          <a:fillRef idx="1">
+            <a:schemeClr val="accent1"/>
+          </a:fillRef>
+          <a:effectRef idx="0">
+            <a:schemeClr val="accent1"/>
+          </a:effectRef>
+          <a:fontRef idx="minor">
+            <a:schemeClr val="lt1"/>
+          </a:fontRef>
+        </p:style>
+        <p:txBody>
+          <a:bodyPr rtlCol="0" anchor="ctr"/>
+          <a:lstStyle/>
+          <a:p>
+            <a:pPr algn="ctr"/>
+            <a:endParaRPr lang="es-MX"/>
+          </a:p>
+        </p:txBody>
+      </p:sp>
     </p:spTree>
     <p:extLst>
       <p:ext uri="{BB962C8B-B14F-4D97-AF65-F5344CB8AC3E}">
@@ -11507,6 +12162,58 @@
           <a:p>
             <a:pPr algn="ctr"/>
             <a:endParaRPr lang="es-MX" dirty="0"/>
+          </a:p>
+        </p:txBody>
+      </p:sp>
+      <p:sp>
+        <p:nvSpPr>
+          <p:cNvPr id="6" name="Rectángulo 5">
+            <a:extLst>
+              <a:ext uri="{FF2B5EF4-FFF2-40B4-BE49-F238E27FC236}">
+                <a16:creationId xmlns:a16="http://schemas.microsoft.com/office/drawing/2014/main" id="{FAEB95F9-DC61-6A1F-CD54-849DD6497935}"/>
+              </a:ext>
+            </a:extLst>
+          </p:cNvPr>
+          <p:cNvSpPr/>
+          <p:nvPr/>
+        </p:nvSpPr>
+        <p:spPr>
+          <a:xfrm>
+            <a:off x="4946838" y="1739995"/>
+            <a:ext cx="3469592" cy="823415"/>
+          </a:xfrm>
+          <a:prstGeom prst="rect">
+            <a:avLst/>
+          </a:prstGeom>
+          <a:noFill/>
+          <a:ln>
+            <a:solidFill>
+              <a:srgbClr val="0070C0"/>
+            </a:solidFill>
+          </a:ln>
+        </p:spPr>
+        <p:style>
+          <a:lnRef idx="2">
+            <a:schemeClr val="accent1">
+              <a:shade val="15000"/>
+            </a:schemeClr>
+          </a:lnRef>
+          <a:fillRef idx="1">
+            <a:schemeClr val="accent1"/>
+          </a:fillRef>
+          <a:effectRef idx="0">
+            <a:schemeClr val="accent1"/>
+          </a:effectRef>
+          <a:fontRef idx="minor">
+            <a:schemeClr val="lt1"/>
+          </a:fontRef>
+        </p:style>
+        <p:txBody>
+          <a:bodyPr rtlCol="0" anchor="ctr"/>
+          <a:lstStyle/>
+          <a:p>
+            <a:pPr algn="ctr"/>
+            <a:endParaRPr lang="es-MX"/>
           </a:p>
         </p:txBody>
       </p:sp>
